--- a/_book/plot/unnamed-chunk-68-1.pptx
+++ b/_book/plot/unnamed-chunk-68-1.pptx
@@ -3218,7 +3218,7 @@
           </p:nvSpPr>
           <p:spPr>
             <a:xfrm>
-              <a:off x="2805143" y="1590617"/>
+              <a:off x="3248781" y="1590617"/>
               <a:ext cx="0" cy="4048310"/>
             </a:xfrm>
             <a:custGeom>
@@ -3261,7 +3261,7 @@
           </p:nvSpPr>
           <p:spPr>
             <a:xfrm>
-              <a:off x="4368331" y="1590617"/>
+              <a:off x="5699245" y="1590617"/>
               <a:ext cx="0" cy="4048310"/>
             </a:xfrm>
             <a:custGeom>
@@ -3304,7 +3304,7 @@
           </p:nvSpPr>
           <p:spPr>
             <a:xfrm>
-              <a:off x="5931519" y="1590617"/>
+              <a:off x="8149709" y="1590617"/>
               <a:ext cx="0" cy="4048310"/>
             </a:xfrm>
             <a:custGeom>
@@ -3347,26 +3347,26 @@
           </p:nvSpPr>
           <p:spPr>
             <a:xfrm>
-              <a:off x="7494707" y="1590617"/>
-              <a:ext cx="0" cy="4048310"/>
+              <a:off x="2023549" y="5342710"/>
+              <a:ext cx="6913543" cy="0"/>
             </a:xfrm>
             <a:custGeom>
               <a:avLst/>
               <a:pathLst>
-                <a:path w="0" h="4048310">
+                <a:path w="6913543" h="0">
                   <a:moveTo>
-                    <a:pt x="0" y="4048310"/>
+                    <a:pt x="0" y="0"/>
                   </a:moveTo>
                   <a:lnTo>
-                    <a:pt x="0" y="0"/>
+                    <a:pt x="6913543" y="0"/>
                   </a:lnTo>
                   <a:lnTo>
-                    <a:pt x="0" y="0"/>
+                    <a:pt x="6913543" y="0"/>
                   </a:lnTo>
                 </a:path>
               </a:pathLst>
             </a:custGeom>
-            <a:ln w="3387" cap="flat">
+            <a:ln w="6775" cap="flat">
               <a:solidFill>
                 <a:srgbClr val="DEDEDE">
                   <a:alpha val="100000"/>
@@ -3390,7 +3390,7 @@
           </p:nvSpPr>
           <p:spPr>
             <a:xfrm>
-              <a:off x="2023549" y="5060597"/>
+              <a:off x="2023549" y="4849013"/>
               <a:ext cx="6913543" cy="0"/>
             </a:xfrm>
             <a:custGeom>
@@ -3433,7 +3433,7 @@
           </p:nvSpPr>
           <p:spPr>
             <a:xfrm>
-              <a:off x="2023549" y="4096714"/>
+              <a:off x="2023549" y="4355317"/>
               <a:ext cx="6913543" cy="0"/>
             </a:xfrm>
             <a:custGeom>
@@ -3476,7 +3476,7 @@
           </p:nvSpPr>
           <p:spPr>
             <a:xfrm>
-              <a:off x="2023549" y="3132830"/>
+              <a:off x="2023549" y="3861620"/>
               <a:ext cx="6913543" cy="0"/>
             </a:xfrm>
             <a:custGeom>
@@ -3519,7 +3519,7 @@
           </p:nvSpPr>
           <p:spPr>
             <a:xfrm>
-              <a:off x="2023549" y="2168947"/>
+              <a:off x="2023549" y="3367924"/>
               <a:ext cx="6913543" cy="0"/>
             </a:xfrm>
             <a:custGeom>
@@ -3562,21 +3562,21 @@
           </p:nvSpPr>
           <p:spPr>
             <a:xfrm>
-              <a:off x="2023549" y="1590617"/>
-              <a:ext cx="0" cy="4048310"/>
+              <a:off x="2023549" y="2874227"/>
+              <a:ext cx="6913543" cy="0"/>
             </a:xfrm>
             <a:custGeom>
               <a:avLst/>
               <a:pathLst>
-                <a:path w="0" h="4048310">
+                <a:path w="6913543" h="0">
                   <a:moveTo>
-                    <a:pt x="0" y="4048310"/>
+                    <a:pt x="0" y="0"/>
                   </a:moveTo>
                   <a:lnTo>
-                    <a:pt x="0" y="0"/>
+                    <a:pt x="6913543" y="0"/>
                   </a:lnTo>
                   <a:lnTo>
-                    <a:pt x="0" y="0"/>
+                    <a:pt x="6913543" y="0"/>
                   </a:lnTo>
                 </a:path>
               </a:pathLst>
@@ -3605,21 +3605,21 @@
           </p:nvSpPr>
           <p:spPr>
             <a:xfrm>
-              <a:off x="3586737" y="1590617"/>
-              <a:ext cx="0" cy="4048310"/>
+              <a:off x="2023549" y="2380531"/>
+              <a:ext cx="6913543" cy="0"/>
             </a:xfrm>
             <a:custGeom>
               <a:avLst/>
               <a:pathLst>
-                <a:path w="0" h="4048310">
+                <a:path w="6913543" h="0">
                   <a:moveTo>
-                    <a:pt x="0" y="4048310"/>
+                    <a:pt x="0" y="0"/>
                   </a:moveTo>
                   <a:lnTo>
-                    <a:pt x="0" y="0"/>
+                    <a:pt x="6913543" y="0"/>
                   </a:lnTo>
                   <a:lnTo>
-                    <a:pt x="0" y="0"/>
+                    <a:pt x="6913543" y="0"/>
                   </a:lnTo>
                 </a:path>
               </a:pathLst>
@@ -3648,21 +3648,21 @@
           </p:nvSpPr>
           <p:spPr>
             <a:xfrm>
-              <a:off x="5149925" y="1590617"/>
-              <a:ext cx="0" cy="4048310"/>
+              <a:off x="2023549" y="1886835"/>
+              <a:ext cx="6913543" cy="0"/>
             </a:xfrm>
             <a:custGeom>
               <a:avLst/>
               <a:pathLst>
-                <a:path w="0" h="4048310">
+                <a:path w="6913543" h="0">
                   <a:moveTo>
-                    <a:pt x="0" y="4048310"/>
+                    <a:pt x="0" y="0"/>
                   </a:moveTo>
                   <a:lnTo>
-                    <a:pt x="0" y="0"/>
+                    <a:pt x="6913543" y="0"/>
                   </a:lnTo>
                   <a:lnTo>
-                    <a:pt x="0" y="0"/>
+                    <a:pt x="6913543" y="0"/>
                   </a:lnTo>
                 </a:path>
               </a:pathLst>
@@ -3691,7 +3691,7 @@
           </p:nvSpPr>
           <p:spPr>
             <a:xfrm>
-              <a:off x="6713113" y="1590617"/>
+              <a:off x="2023549" y="1590617"/>
               <a:ext cx="0" cy="4048310"/>
             </a:xfrm>
             <a:custGeom>
@@ -3734,7 +3734,7 @@
           </p:nvSpPr>
           <p:spPr>
             <a:xfrm>
-              <a:off x="8276301" y="1590617"/>
+              <a:off x="4474013" y="1590617"/>
               <a:ext cx="0" cy="4048310"/>
             </a:xfrm>
             <a:custGeom>
@@ -3771,23 +3771,40 @@
         </p:sp>
         <p:sp>
           <p:nvSpPr>
-            <p:cNvPr id="19" name="rc19"/>
+            <p:cNvPr id="19" name="pl19"/>
             <p:cNvSpPr/>
             <p:nvPr/>
           </p:nvSpPr>
           <p:spPr>
             <a:xfrm>
-              <a:off x="2023549" y="1735199"/>
-              <a:ext cx="6777983" cy="867495"/>
+              <a:off x="6924477" y="1590617"/>
+              <a:ext cx="0" cy="4048310"/>
             </a:xfrm>
-            <a:prstGeom prst="rect">
+            <a:custGeom>
               <a:avLst/>
-            </a:prstGeom>
-            <a:solidFill>
-              <a:srgbClr val="595959">
-                <a:alpha val="100000"/>
-              </a:srgbClr>
-            </a:solidFill>
+              <a:pathLst>
+                <a:path w="0" h="4048310">
+                  <a:moveTo>
+                    <a:pt x="0" y="4048310"/>
+                  </a:moveTo>
+                  <a:lnTo>
+                    <a:pt x="0" y="0"/>
+                  </a:lnTo>
+                  <a:lnTo>
+                    <a:pt x="0" y="0"/>
+                  </a:lnTo>
+                </a:path>
+              </a:pathLst>
+            </a:custGeom>
+            <a:ln w="6775" cap="flat">
+              <a:solidFill>
+                <a:srgbClr val="DEDEDE">
+                  <a:alpha val="100000"/>
+                </a:srgbClr>
+              </a:solidFill>
+              <a:prstDash val="solid"/>
+              <a:round/>
+            </a:ln>
           </p:spPr>
           <p:txBody>
             <a:bodyPr/>
@@ -3803,8 +3820,8 @@
           </p:nvSpPr>
           <p:spPr>
             <a:xfrm>
-              <a:off x="2023549" y="2699083"/>
-              <a:ext cx="2640224" cy="867495"/>
+              <a:off x="2023549" y="1664671"/>
+              <a:ext cx="6777983" cy="444326"/>
             </a:xfrm>
             <a:prstGeom prst="rect">
               <a:avLst/>
@@ -3829,8 +3846,8 @@
           </p:nvSpPr>
           <p:spPr>
             <a:xfrm>
-              <a:off x="2023549" y="3662966"/>
-              <a:ext cx="1599141" cy="867495"/>
+              <a:off x="2023549" y="2158368"/>
+              <a:ext cx="5165578" cy="444326"/>
             </a:xfrm>
             <a:prstGeom prst="rect">
               <a:avLst/>
@@ -3855,8 +3872,8 @@
           </p:nvSpPr>
           <p:spPr>
             <a:xfrm>
-              <a:off x="2023549" y="4626850"/>
-              <a:ext cx="1492844" cy="867495"/>
+              <a:off x="2023549" y="2652064"/>
+              <a:ext cx="3832525" cy="444326"/>
             </a:xfrm>
             <a:prstGeom prst="rect">
               <a:avLst/>
@@ -3875,14 +3892,144 @@
         </p:sp>
         <p:sp>
           <p:nvSpPr>
-            <p:cNvPr id="23" name="tx23"/>
+            <p:cNvPr id="23" name="rc23"/>
             <p:cNvSpPr/>
             <p:nvPr/>
           </p:nvSpPr>
           <p:spPr>
             <a:xfrm>
-              <a:off x="8181581" y="2124473"/>
-              <a:ext cx="487822" cy="67753"/>
+              <a:off x="2023549" y="3145760"/>
+              <a:ext cx="2818033" cy="444326"/>
+            </a:xfrm>
+            <a:prstGeom prst="rect">
+              <a:avLst/>
+            </a:prstGeom>
+            <a:solidFill>
+              <a:srgbClr val="595959">
+                <a:alpha val="100000"/>
+              </a:srgbClr>
+            </a:solidFill>
+          </p:spPr>
+          <p:txBody>
+            <a:bodyPr/>
+            <a:lstStyle/>
+            <a:p/>
+          </p:txBody>
+        </p:sp>
+        <p:sp>
+          <p:nvSpPr>
+            <p:cNvPr id="24" name="rc24"/>
+            <p:cNvSpPr/>
+            <p:nvPr/>
+          </p:nvSpPr>
+          <p:spPr>
+            <a:xfrm>
+              <a:off x="2023549" y="3639457"/>
+              <a:ext cx="2283832" cy="444326"/>
+            </a:xfrm>
+            <a:prstGeom prst="rect">
+              <a:avLst/>
+            </a:prstGeom>
+            <a:solidFill>
+              <a:srgbClr val="595959">
+                <a:alpha val="100000"/>
+              </a:srgbClr>
+            </a:solidFill>
+          </p:spPr>
+          <p:txBody>
+            <a:bodyPr/>
+            <a:lstStyle/>
+            <a:p/>
+          </p:txBody>
+        </p:sp>
+        <p:sp>
+          <p:nvSpPr>
+            <p:cNvPr id="25" name="rc25"/>
+            <p:cNvSpPr/>
+            <p:nvPr/>
+          </p:nvSpPr>
+          <p:spPr>
+            <a:xfrm>
+              <a:off x="2023549" y="4133153"/>
+              <a:ext cx="1930965" cy="444326"/>
+            </a:xfrm>
+            <a:prstGeom prst="rect">
+              <a:avLst/>
+            </a:prstGeom>
+            <a:solidFill>
+              <a:srgbClr val="595959">
+                <a:alpha val="100000"/>
+              </a:srgbClr>
+            </a:solidFill>
+          </p:spPr>
+          <p:txBody>
+            <a:bodyPr/>
+            <a:lstStyle/>
+            <a:p/>
+          </p:txBody>
+        </p:sp>
+        <p:sp>
+          <p:nvSpPr>
+            <p:cNvPr id="26" name="rc26"/>
+            <p:cNvSpPr/>
+            <p:nvPr/>
+          </p:nvSpPr>
+          <p:spPr>
+            <a:xfrm>
+              <a:off x="2023549" y="4626850"/>
+              <a:ext cx="1779036" cy="444326"/>
+            </a:xfrm>
+            <a:prstGeom prst="rect">
+              <a:avLst/>
+            </a:prstGeom>
+            <a:solidFill>
+              <a:srgbClr val="595959">
+                <a:alpha val="100000"/>
+              </a:srgbClr>
+            </a:solidFill>
+          </p:spPr>
+          <p:txBody>
+            <a:bodyPr/>
+            <a:lstStyle/>
+            <a:p/>
+          </p:txBody>
+        </p:sp>
+        <p:sp>
+          <p:nvSpPr>
+            <p:cNvPr id="27" name="rc27"/>
+            <p:cNvSpPr/>
+            <p:nvPr/>
+          </p:nvSpPr>
+          <p:spPr>
+            <a:xfrm>
+              <a:off x="2023549" y="5120546"/>
+              <a:ext cx="1073303" cy="444326"/>
+            </a:xfrm>
+            <a:prstGeom prst="rect">
+              <a:avLst/>
+            </a:prstGeom>
+            <a:solidFill>
+              <a:srgbClr val="595959">
+                <a:alpha val="100000"/>
+              </a:srgbClr>
+            </a:solidFill>
+          </p:spPr>
+          <p:txBody>
+            <a:bodyPr/>
+            <a:lstStyle/>
+            <a:p/>
+          </p:txBody>
+        </p:sp>
+        <p:sp>
+          <p:nvSpPr>
+            <p:cNvPr id="28" name="tx28"/>
+            <p:cNvSpPr/>
+            <p:nvPr/>
+          </p:nvSpPr>
+          <p:spPr>
+            <a:xfrm>
+              <a:off x="8252397" y="1842361"/>
+              <a:ext cx="406518" cy="67753"/>
             </a:xfrm>
             <a:prstGeom prst="rect">
               <a:avLst/>
@@ -3914,21 +4061,113 @@
                   <a:latin typeface="Arial"/>
                   <a:cs typeface="Arial"/>
                 </a:rPr>
-                <a:t>国产知名品牌</a:t>
+                <a:t>营养成分表</a:t>
               </a:r>
             </a:p>
           </p:txBody>
         </p:sp>
         <p:sp>
           <p:nvSpPr>
-            <p:cNvPr id="24" name="tx24"/>
+            <p:cNvPr id="29" name="tx29"/>
             <p:cNvSpPr/>
             <p:nvPr/>
           </p:nvSpPr>
           <p:spPr>
             <a:xfrm>
-              <a:off x="4795902" y="3103876"/>
-              <a:ext cx="731733" cy="67753"/>
+              <a:off x="6152169" y="2336057"/>
+              <a:ext cx="894341" cy="67753"/>
+            </a:xfrm>
+            <a:prstGeom prst="rect">
+              <a:avLst/>
+            </a:prstGeom>
+            <a:noFill/>
+          </p:spPr>
+          <p:txBody>
+            <a:bodyPr lIns="0" rIns="0" tIns="0" bIns="0" anchorCtr="1" anchor="ctr" wrap="none"/>
+            <a:lstStyle/>
+            <a:p>
+              <a:pPr algn="l" marL="0" marR="0" indent="0">
+                <a:lnSpc>
+                  <a:spcPts val="853"/>
+                </a:lnSpc>
+                <a:spcBef>
+                  <a:spcPts val="0"/>
+                </a:spcBef>
+                <a:spcAft>
+                  <a:spcPts val="0"/>
+                </a:spcAft>
+              </a:pPr>
+              <a:r>
+                <a:rPr sz="853" b="1">
+                  <a:solidFill>
+                    <a:srgbClr val="FFFFFF">
+                      <a:alpha val="100000"/>
+                    </a:srgbClr>
+                  </a:solidFill>
+                  <a:latin typeface="Arial"/>
+                  <a:cs typeface="Arial"/>
+                </a:rPr>
+                <a:t>保健食品标志（蓝帽子）</a:t>
+              </a:r>
+            </a:p>
+          </p:txBody>
+        </p:sp>
+        <p:sp>
+          <p:nvSpPr>
+            <p:cNvPr id="30" name="tx30"/>
+            <p:cNvSpPr/>
+            <p:nvPr/>
+          </p:nvSpPr>
+          <p:spPr>
+            <a:xfrm>
+              <a:off x="5388243" y="2829754"/>
+              <a:ext cx="325215" cy="67753"/>
+            </a:xfrm>
+            <a:prstGeom prst="rect">
+              <a:avLst/>
+            </a:prstGeom>
+            <a:noFill/>
+          </p:spPr>
+          <p:txBody>
+            <a:bodyPr lIns="0" rIns="0" tIns="0" bIns="0" anchorCtr="1" anchor="ctr" wrap="none"/>
+            <a:lstStyle/>
+            <a:p>
+              <a:pPr algn="l" marL="0" marR="0" indent="0">
+                <a:lnSpc>
+                  <a:spcPts val="853"/>
+                </a:lnSpc>
+                <a:spcBef>
+                  <a:spcPts val="0"/>
+                </a:spcBef>
+                <a:spcAft>
+                  <a:spcPts val="0"/>
+                </a:spcAft>
+              </a:pPr>
+              <a:r>
+                <a:rPr sz="853" b="1">
+                  <a:solidFill>
+                    <a:srgbClr val="FFFFFF">
+                      <a:alpha val="100000"/>
+                    </a:srgbClr>
+                  </a:solidFill>
+                  <a:latin typeface="Arial"/>
+                  <a:cs typeface="Arial"/>
+                </a:rPr>
+                <a:t>菌株信息</a:t>
+              </a:r>
+            </a:p>
+          </p:txBody>
+        </p:sp>
+        <p:sp>
+          <p:nvSpPr>
+            <p:cNvPr id="31" name="tx31"/>
+            <p:cNvSpPr/>
+            <p:nvPr/>
+          </p:nvSpPr>
+          <p:spPr>
+            <a:xfrm>
+              <a:off x="4984199" y="3338970"/>
+              <a:ext cx="325215" cy="67753"/>
             </a:xfrm>
             <a:prstGeom prst="rect">
               <a:avLst/>
@@ -3960,21 +4199,21 @@
                   <a:latin typeface="Arial"/>
                   <a:cs typeface="Arial"/>
                 </a:rPr>
-                <a:t>海淘进口的其他品牌</a:t>
+                <a:t>功能宣称</a:t>
               </a:r>
             </a:p>
           </p:txBody>
         </p:sp>
         <p:sp>
           <p:nvSpPr>
-            <p:cNvPr id="25" name="tx25"/>
+            <p:cNvPr id="32" name="tx32"/>
             <p:cNvSpPr/>
             <p:nvPr/>
           </p:nvSpPr>
           <p:spPr>
             <a:xfrm>
-              <a:off x="3754819" y="4067760"/>
-              <a:ext cx="487822" cy="67753"/>
+              <a:off x="4449998" y="3820174"/>
+              <a:ext cx="436637" cy="80245"/>
             </a:xfrm>
             <a:prstGeom prst="rect">
               <a:avLst/>
@@ -4006,21 +4245,21 @@
                   <a:latin typeface="Arial"/>
                   <a:cs typeface="Arial"/>
                 </a:rPr>
-                <a:t>国产新兴品牌</a:t>
+                <a:t>辅料/添加剂</a:t>
               </a:r>
             </a:p>
           </p:txBody>
         </p:sp>
         <p:sp>
           <p:nvSpPr>
-            <p:cNvPr id="26" name="tx26"/>
+            <p:cNvPr id="33" name="tx33"/>
             <p:cNvSpPr/>
             <p:nvPr/>
           </p:nvSpPr>
           <p:spPr>
             <a:xfrm>
-              <a:off x="3648522" y="5031643"/>
-              <a:ext cx="731733" cy="67753"/>
+              <a:off x="4097131" y="4326363"/>
+              <a:ext cx="325215" cy="67753"/>
             </a:xfrm>
             <a:prstGeom prst="rect">
               <a:avLst/>
@@ -4052,14 +4291,106 @@
                   <a:latin typeface="Arial"/>
                   <a:cs typeface="Arial"/>
                 </a:rPr>
-                <a:t>海淘进口的知名品牌</a:t>
+                <a:t>使用禁忌</a:t>
               </a:r>
             </a:p>
           </p:txBody>
         </p:sp>
         <p:sp>
           <p:nvSpPr>
-            <p:cNvPr id="27" name="rc27"/>
+            <p:cNvPr id="34" name="tx34"/>
+            <p:cNvSpPr/>
+            <p:nvPr/>
+          </p:nvSpPr>
+          <p:spPr>
+            <a:xfrm>
+              <a:off x="3945203" y="4820059"/>
+              <a:ext cx="243911" cy="67753"/>
+            </a:xfrm>
+            <a:prstGeom prst="rect">
+              <a:avLst/>
+            </a:prstGeom>
+            <a:noFill/>
+          </p:spPr>
+          <p:txBody>
+            <a:bodyPr lIns="0" rIns="0" tIns="0" bIns="0" anchorCtr="1" anchor="ctr" wrap="none"/>
+            <a:lstStyle/>
+            <a:p>
+              <a:pPr algn="l" marL="0" marR="0" indent="0">
+                <a:lnSpc>
+                  <a:spcPts val="853"/>
+                </a:lnSpc>
+                <a:spcBef>
+                  <a:spcPts val="0"/>
+                </a:spcBef>
+                <a:spcAft>
+                  <a:spcPts val="0"/>
+                </a:spcAft>
+              </a:pPr>
+              <a:r>
+                <a:rPr sz="853">
+                  <a:solidFill>
+                    <a:srgbClr val="000000">
+                      <a:alpha val="100000"/>
+                    </a:srgbClr>
+                  </a:solidFill>
+                  <a:latin typeface="Arial"/>
+                  <a:cs typeface="Arial"/>
+                </a:rPr>
+                <a:t>保质期</a:t>
+              </a:r>
+            </a:p>
+          </p:txBody>
+        </p:sp>
+        <p:sp>
+          <p:nvSpPr>
+            <p:cNvPr id="35" name="tx35"/>
+            <p:cNvSpPr/>
+            <p:nvPr/>
+          </p:nvSpPr>
+          <p:spPr>
+            <a:xfrm>
+              <a:off x="3239469" y="5301264"/>
+              <a:ext cx="385398" cy="80245"/>
+            </a:xfrm>
+            <a:prstGeom prst="rect">
+              <a:avLst/>
+            </a:prstGeom>
+            <a:noFill/>
+          </p:spPr>
+          <p:txBody>
+            <a:bodyPr lIns="0" rIns="0" tIns="0" bIns="0" anchorCtr="1" anchor="ctr" wrap="none"/>
+            <a:lstStyle/>
+            <a:p>
+              <a:pPr algn="l" marL="0" marR="0" indent="0">
+                <a:lnSpc>
+                  <a:spcPts val="853"/>
+                </a:lnSpc>
+                <a:spcBef>
+                  <a:spcPts val="0"/>
+                </a:spcBef>
+                <a:spcAft>
+                  <a:spcPts val="0"/>
+                </a:spcAft>
+              </a:pPr>
+              <a:r>
+                <a:rPr sz="853">
+                  <a:solidFill>
+                    <a:srgbClr val="000000">
+                      <a:alpha val="100000"/>
+                    </a:srgbClr>
+                  </a:solidFill>
+                  <a:latin typeface="Arial"/>
+                  <a:cs typeface="Arial"/>
+                </a:rPr>
+                <a:t>CFU信息</a:t>
+              </a:r>
+            </a:p>
+          </p:txBody>
+        </p:sp>
+        <p:sp>
+          <p:nvSpPr>
+            <p:cNvPr id="36" name="rc36"/>
             <p:cNvSpPr/>
             <p:nvPr/>
           </p:nvSpPr>
@@ -4089,13 +4420,197 @@
         </p:sp>
         <p:sp>
           <p:nvSpPr>
-            <p:cNvPr id="28" name="tx28"/>
+            <p:cNvPr id="37" name="tx37"/>
             <p:cNvSpPr/>
             <p:nvPr/>
           </p:nvSpPr>
           <p:spPr>
             <a:xfrm>
-              <a:off x="1926599" y="5020270"/>
+              <a:off x="1926599" y="5300963"/>
+              <a:ext cx="62155" cy="81746"/>
+            </a:xfrm>
+            <a:prstGeom prst="rect">
+              <a:avLst/>
+            </a:prstGeom>
+            <a:noFill/>
+          </p:spPr>
+          <p:txBody>
+            <a:bodyPr lIns="0" rIns="0" tIns="0" bIns="0" anchorCtr="1" anchor="ctr" wrap="none"/>
+            <a:lstStyle/>
+            <a:p>
+              <a:pPr algn="l" marL="0" marR="0" indent="0">
+                <a:lnSpc>
+                  <a:spcPts val="880"/>
+                </a:lnSpc>
+                <a:spcBef>
+                  <a:spcPts val="0"/>
+                </a:spcBef>
+                <a:spcAft>
+                  <a:spcPts val="0"/>
+                </a:spcAft>
+              </a:pPr>
+              <a:r>
+                <a:rPr sz="880" b="1">
+                  <a:solidFill>
+                    <a:srgbClr val="4D4D4D">
+                      <a:alpha val="100000"/>
+                    </a:srgbClr>
+                  </a:solidFill>
+                  <a:latin typeface="Arial"/>
+                  <a:cs typeface="Arial"/>
+                </a:rPr>
+                <a:t>8</a:t>
+              </a:r>
+            </a:p>
+          </p:txBody>
+        </p:sp>
+        <p:sp>
+          <p:nvSpPr>
+            <p:cNvPr id="38" name="tx38"/>
+            <p:cNvSpPr/>
+            <p:nvPr/>
+          </p:nvSpPr>
+          <p:spPr>
+            <a:xfrm>
+              <a:off x="1926599" y="4810105"/>
+              <a:ext cx="62155" cy="78908"/>
+            </a:xfrm>
+            <a:prstGeom prst="rect">
+              <a:avLst/>
+            </a:prstGeom>
+            <a:noFill/>
+          </p:spPr>
+          <p:txBody>
+            <a:bodyPr lIns="0" rIns="0" tIns="0" bIns="0" anchorCtr="1" anchor="ctr" wrap="none"/>
+            <a:lstStyle/>
+            <a:p>
+              <a:pPr algn="l" marL="0" marR="0" indent="0">
+                <a:lnSpc>
+                  <a:spcPts val="880"/>
+                </a:lnSpc>
+                <a:spcBef>
+                  <a:spcPts val="0"/>
+                </a:spcBef>
+                <a:spcAft>
+                  <a:spcPts val="0"/>
+                </a:spcAft>
+              </a:pPr>
+              <a:r>
+                <a:rPr sz="880" b="1">
+                  <a:solidFill>
+                    <a:srgbClr val="4D4D4D">
+                      <a:alpha val="100000"/>
+                    </a:srgbClr>
+                  </a:solidFill>
+                  <a:latin typeface="Arial"/>
+                  <a:cs typeface="Arial"/>
+                </a:rPr>
+                <a:t>7</a:t>
+              </a:r>
+            </a:p>
+          </p:txBody>
+        </p:sp>
+        <p:sp>
+          <p:nvSpPr>
+            <p:cNvPr id="39" name="tx39"/>
+            <p:cNvSpPr/>
+            <p:nvPr/>
+          </p:nvSpPr>
+          <p:spPr>
+            <a:xfrm>
+              <a:off x="1926599" y="4313625"/>
+              <a:ext cx="62155" cy="81691"/>
+            </a:xfrm>
+            <a:prstGeom prst="rect">
+              <a:avLst/>
+            </a:prstGeom>
+            <a:noFill/>
+          </p:spPr>
+          <p:txBody>
+            <a:bodyPr lIns="0" rIns="0" tIns="0" bIns="0" anchorCtr="1" anchor="ctr" wrap="none"/>
+            <a:lstStyle/>
+            <a:p>
+              <a:pPr algn="l" marL="0" marR="0" indent="0">
+                <a:lnSpc>
+                  <a:spcPts val="880"/>
+                </a:lnSpc>
+                <a:spcBef>
+                  <a:spcPts val="0"/>
+                </a:spcBef>
+                <a:spcAft>
+                  <a:spcPts val="0"/>
+                </a:spcAft>
+              </a:pPr>
+              <a:r>
+                <a:rPr sz="880" b="1">
+                  <a:solidFill>
+                    <a:srgbClr val="4D4D4D">
+                      <a:alpha val="100000"/>
+                    </a:srgbClr>
+                  </a:solidFill>
+                  <a:latin typeface="Arial"/>
+                  <a:cs typeface="Arial"/>
+                </a:rPr>
+                <a:t>6</a:t>
+              </a:r>
+            </a:p>
+          </p:txBody>
+        </p:sp>
+        <p:sp>
+          <p:nvSpPr>
+            <p:cNvPr id="40" name="tx40"/>
+            <p:cNvSpPr/>
+            <p:nvPr/>
+          </p:nvSpPr>
+          <p:spPr>
+            <a:xfrm>
+              <a:off x="1926599" y="3821347"/>
+              <a:ext cx="62155" cy="80272"/>
+            </a:xfrm>
+            <a:prstGeom prst="rect">
+              <a:avLst/>
+            </a:prstGeom>
+            <a:noFill/>
+          </p:spPr>
+          <p:txBody>
+            <a:bodyPr lIns="0" rIns="0" tIns="0" bIns="0" anchorCtr="1" anchor="ctr" wrap="none"/>
+            <a:lstStyle/>
+            <a:p>
+              <a:pPr algn="l" marL="0" marR="0" indent="0">
+                <a:lnSpc>
+                  <a:spcPts val="880"/>
+                </a:lnSpc>
+                <a:spcBef>
+                  <a:spcPts val="0"/>
+                </a:spcBef>
+                <a:spcAft>
+                  <a:spcPts val="0"/>
+                </a:spcAft>
+              </a:pPr>
+              <a:r>
+                <a:rPr sz="880" b="1">
+                  <a:solidFill>
+                    <a:srgbClr val="4D4D4D">
+                      <a:alpha val="100000"/>
+                    </a:srgbClr>
+                  </a:solidFill>
+                  <a:latin typeface="Arial"/>
+                  <a:cs typeface="Arial"/>
+                </a:rPr>
+                <a:t>5</a:t>
+              </a:r>
+            </a:p>
+          </p:txBody>
+        </p:sp>
+        <p:sp>
+          <p:nvSpPr>
+            <p:cNvPr id="41" name="tx41"/>
+            <p:cNvSpPr/>
+            <p:nvPr/>
+          </p:nvSpPr>
+          <p:spPr>
+            <a:xfrm>
+              <a:off x="1926599" y="3327596"/>
               <a:ext cx="62155" cy="80327"/>
             </a:xfrm>
             <a:prstGeom prst="rect">
@@ -4135,13 +4650,13 @@
         </p:sp>
         <p:sp>
           <p:nvSpPr>
-            <p:cNvPr id="29" name="tx29"/>
+            <p:cNvPr id="42" name="tx42"/>
             <p:cNvSpPr/>
             <p:nvPr/>
           </p:nvSpPr>
           <p:spPr>
             <a:xfrm>
-              <a:off x="1926599" y="4055022"/>
+              <a:off x="1926599" y="2832536"/>
               <a:ext cx="62155" cy="81691"/>
             </a:xfrm>
             <a:prstGeom prst="rect">
@@ -4181,13 +4696,13 @@
         </p:sp>
         <p:sp>
           <p:nvSpPr>
-            <p:cNvPr id="30" name="tx30"/>
+            <p:cNvPr id="43" name="tx43"/>
             <p:cNvSpPr/>
             <p:nvPr/>
           </p:nvSpPr>
           <p:spPr>
             <a:xfrm>
-              <a:off x="1926599" y="3092503"/>
+              <a:off x="1926599" y="2340204"/>
               <a:ext cx="62155" cy="80327"/>
             </a:xfrm>
             <a:prstGeom prst="rect">
@@ -4227,13 +4742,13 @@
         </p:sp>
         <p:sp>
           <p:nvSpPr>
-            <p:cNvPr id="31" name="tx31"/>
+            <p:cNvPr id="44" name="tx44"/>
             <p:cNvSpPr/>
             <p:nvPr/>
           </p:nvSpPr>
           <p:spPr>
             <a:xfrm>
-              <a:off x="1926599" y="2128619"/>
+              <a:off x="1926599" y="1846507"/>
               <a:ext cx="62155" cy="80327"/>
             </a:xfrm>
             <a:prstGeom prst="rect">
@@ -4273,13 +4788,13 @@
         </p:sp>
         <p:sp>
           <p:nvSpPr>
-            <p:cNvPr id="32" name="pl32"/>
+            <p:cNvPr id="45" name="pl45"/>
             <p:cNvSpPr/>
             <p:nvPr/>
           </p:nvSpPr>
           <p:spPr>
             <a:xfrm>
-              <a:off x="1988754" y="5060597"/>
+              <a:off x="1988754" y="5342710"/>
               <a:ext cx="34794" cy="0"/>
             </a:xfrm>
             <a:custGeom>
@@ -4313,13 +4828,13 @@
         </p:sp>
         <p:sp>
           <p:nvSpPr>
-            <p:cNvPr id="33" name="pl33"/>
+            <p:cNvPr id="46" name="pl46"/>
             <p:cNvSpPr/>
             <p:nvPr/>
           </p:nvSpPr>
           <p:spPr>
             <a:xfrm>
-              <a:off x="1988754" y="4096714"/>
+              <a:off x="1988754" y="4849013"/>
               <a:ext cx="34794" cy="0"/>
             </a:xfrm>
             <a:custGeom>
@@ -4353,13 +4868,13 @@
         </p:sp>
         <p:sp>
           <p:nvSpPr>
-            <p:cNvPr id="34" name="pl34"/>
+            <p:cNvPr id="47" name="pl47"/>
             <p:cNvSpPr/>
             <p:nvPr/>
           </p:nvSpPr>
           <p:spPr>
             <a:xfrm>
-              <a:off x="1988754" y="3132830"/>
+              <a:off x="1988754" y="4355317"/>
               <a:ext cx="34794" cy="0"/>
             </a:xfrm>
             <a:custGeom>
@@ -4393,13 +4908,13 @@
         </p:sp>
         <p:sp>
           <p:nvSpPr>
-            <p:cNvPr id="35" name="pl35"/>
+            <p:cNvPr id="48" name="pl48"/>
             <p:cNvSpPr/>
             <p:nvPr/>
           </p:nvSpPr>
           <p:spPr>
             <a:xfrm>
-              <a:off x="1988754" y="2168947"/>
+              <a:off x="1988754" y="3861620"/>
               <a:ext cx="34794" cy="0"/>
             </a:xfrm>
             <a:custGeom>
@@ -4433,7 +4948,167 @@
         </p:sp>
         <p:sp>
           <p:nvSpPr>
-            <p:cNvPr id="36" name="pl36"/>
+            <p:cNvPr id="49" name="pl49"/>
+            <p:cNvSpPr/>
+            <p:nvPr/>
+          </p:nvSpPr>
+          <p:spPr>
+            <a:xfrm>
+              <a:off x="1988754" y="3367924"/>
+              <a:ext cx="34794" cy="0"/>
+            </a:xfrm>
+            <a:custGeom>
+              <a:avLst/>
+              <a:pathLst>
+                <a:path w="34794" h="0">
+                  <a:moveTo>
+                    <a:pt x="0" y="0"/>
+                  </a:moveTo>
+                  <a:lnTo>
+                    <a:pt x="34794" y="0"/>
+                  </a:lnTo>
+                </a:path>
+              </a:pathLst>
+            </a:custGeom>
+            <a:ln w="6775" cap="flat">
+              <a:solidFill>
+                <a:srgbClr val="B3B3B3">
+                  <a:alpha val="100000"/>
+                </a:srgbClr>
+              </a:solidFill>
+              <a:prstDash val="solid"/>
+              <a:round/>
+            </a:ln>
+          </p:spPr>
+          <p:txBody>
+            <a:bodyPr/>
+            <a:lstStyle/>
+            <a:p/>
+          </p:txBody>
+        </p:sp>
+        <p:sp>
+          <p:nvSpPr>
+            <p:cNvPr id="50" name="pl50"/>
+            <p:cNvSpPr/>
+            <p:nvPr/>
+          </p:nvSpPr>
+          <p:spPr>
+            <a:xfrm>
+              <a:off x="1988754" y="2874227"/>
+              <a:ext cx="34794" cy="0"/>
+            </a:xfrm>
+            <a:custGeom>
+              <a:avLst/>
+              <a:pathLst>
+                <a:path w="34794" h="0">
+                  <a:moveTo>
+                    <a:pt x="0" y="0"/>
+                  </a:moveTo>
+                  <a:lnTo>
+                    <a:pt x="34794" y="0"/>
+                  </a:lnTo>
+                </a:path>
+              </a:pathLst>
+            </a:custGeom>
+            <a:ln w="6775" cap="flat">
+              <a:solidFill>
+                <a:srgbClr val="B3B3B3">
+                  <a:alpha val="100000"/>
+                </a:srgbClr>
+              </a:solidFill>
+              <a:prstDash val="solid"/>
+              <a:round/>
+            </a:ln>
+          </p:spPr>
+          <p:txBody>
+            <a:bodyPr/>
+            <a:lstStyle/>
+            <a:p/>
+          </p:txBody>
+        </p:sp>
+        <p:sp>
+          <p:nvSpPr>
+            <p:cNvPr id="51" name="pl51"/>
+            <p:cNvSpPr/>
+            <p:nvPr/>
+          </p:nvSpPr>
+          <p:spPr>
+            <a:xfrm>
+              <a:off x="1988754" y="2380531"/>
+              <a:ext cx="34794" cy="0"/>
+            </a:xfrm>
+            <a:custGeom>
+              <a:avLst/>
+              <a:pathLst>
+                <a:path w="34794" h="0">
+                  <a:moveTo>
+                    <a:pt x="0" y="0"/>
+                  </a:moveTo>
+                  <a:lnTo>
+                    <a:pt x="34794" y="0"/>
+                  </a:lnTo>
+                </a:path>
+              </a:pathLst>
+            </a:custGeom>
+            <a:ln w="6775" cap="flat">
+              <a:solidFill>
+                <a:srgbClr val="B3B3B3">
+                  <a:alpha val="100000"/>
+                </a:srgbClr>
+              </a:solidFill>
+              <a:prstDash val="solid"/>
+              <a:round/>
+            </a:ln>
+          </p:spPr>
+          <p:txBody>
+            <a:bodyPr/>
+            <a:lstStyle/>
+            <a:p/>
+          </p:txBody>
+        </p:sp>
+        <p:sp>
+          <p:nvSpPr>
+            <p:cNvPr id="52" name="pl52"/>
+            <p:cNvSpPr/>
+            <p:nvPr/>
+          </p:nvSpPr>
+          <p:spPr>
+            <a:xfrm>
+              <a:off x="1988754" y="1886835"/>
+              <a:ext cx="34794" cy="0"/>
+            </a:xfrm>
+            <a:custGeom>
+              <a:avLst/>
+              <a:pathLst>
+                <a:path w="34794" h="0">
+                  <a:moveTo>
+                    <a:pt x="0" y="0"/>
+                  </a:moveTo>
+                  <a:lnTo>
+                    <a:pt x="34794" y="0"/>
+                  </a:lnTo>
+                </a:path>
+              </a:pathLst>
+            </a:custGeom>
+            <a:ln w="6775" cap="flat">
+              <a:solidFill>
+                <a:srgbClr val="B3B3B3">
+                  <a:alpha val="100000"/>
+                </a:srgbClr>
+              </a:solidFill>
+              <a:prstDash val="solid"/>
+              <a:round/>
+            </a:ln>
+          </p:spPr>
+          <p:txBody>
+            <a:bodyPr/>
+            <a:lstStyle/>
+            <a:p/>
+          </p:txBody>
+        </p:sp>
+        <p:sp>
+          <p:nvSpPr>
+            <p:cNvPr id="53" name="pl53"/>
             <p:cNvSpPr/>
             <p:nvPr/>
           </p:nvSpPr>
@@ -4473,13 +5148,13 @@
         </p:sp>
         <p:sp>
           <p:nvSpPr>
-            <p:cNvPr id="37" name="pl37"/>
+            <p:cNvPr id="54" name="pl54"/>
             <p:cNvSpPr/>
             <p:nvPr/>
           </p:nvSpPr>
           <p:spPr>
             <a:xfrm>
-              <a:off x="3586737" y="5638927"/>
+              <a:off x="4474013" y="5638927"/>
               <a:ext cx="0" cy="34794"/>
             </a:xfrm>
             <a:custGeom>
@@ -4513,13 +5188,13 @@
         </p:sp>
         <p:sp>
           <p:nvSpPr>
-            <p:cNvPr id="38" name="pl38"/>
+            <p:cNvPr id="55" name="pl55"/>
             <p:cNvSpPr/>
             <p:nvPr/>
           </p:nvSpPr>
           <p:spPr>
             <a:xfrm>
-              <a:off x="5149925" y="5638927"/>
+              <a:off x="6924477" y="5638927"/>
               <a:ext cx="0" cy="34794"/>
             </a:xfrm>
             <a:custGeom>
@@ -4553,87 +5228,7 @@
         </p:sp>
         <p:sp>
           <p:nvSpPr>
-            <p:cNvPr id="39" name="pl39"/>
-            <p:cNvSpPr/>
-            <p:nvPr/>
-          </p:nvSpPr>
-          <p:spPr>
-            <a:xfrm>
-              <a:off x="6713113" y="5638927"/>
-              <a:ext cx="0" cy="34794"/>
-            </a:xfrm>
-            <a:custGeom>
-              <a:avLst/>
-              <a:pathLst>
-                <a:path w="0" h="34794">
-                  <a:moveTo>
-                    <a:pt x="0" y="34794"/>
-                  </a:moveTo>
-                  <a:lnTo>
-                    <a:pt x="0" y="0"/>
-                  </a:lnTo>
-                </a:path>
-              </a:pathLst>
-            </a:custGeom>
-            <a:ln w="6775" cap="flat">
-              <a:solidFill>
-                <a:srgbClr val="B3B3B3">
-                  <a:alpha val="100000"/>
-                </a:srgbClr>
-              </a:solidFill>
-              <a:prstDash val="solid"/>
-              <a:round/>
-            </a:ln>
-          </p:spPr>
-          <p:txBody>
-            <a:bodyPr/>
-            <a:lstStyle/>
-            <a:p/>
-          </p:txBody>
-        </p:sp>
-        <p:sp>
-          <p:nvSpPr>
-            <p:cNvPr id="40" name="pl40"/>
-            <p:cNvSpPr/>
-            <p:nvPr/>
-          </p:nvSpPr>
-          <p:spPr>
-            <a:xfrm>
-              <a:off x="8276301" y="5638927"/>
-              <a:ext cx="0" cy="34794"/>
-            </a:xfrm>
-            <a:custGeom>
-              <a:avLst/>
-              <a:pathLst>
-                <a:path w="0" h="34794">
-                  <a:moveTo>
-                    <a:pt x="0" y="34794"/>
-                  </a:moveTo>
-                  <a:lnTo>
-                    <a:pt x="0" y="0"/>
-                  </a:lnTo>
-                </a:path>
-              </a:pathLst>
-            </a:custGeom>
-            <a:ln w="6775" cap="flat">
-              <a:solidFill>
-                <a:srgbClr val="B3B3B3">
-                  <a:alpha val="100000"/>
-                </a:srgbClr>
-              </a:solidFill>
-              <a:prstDash val="solid"/>
-              <a:round/>
-            </a:ln>
-          </p:spPr>
-          <p:txBody>
-            <a:bodyPr/>
-            <a:lstStyle/>
-            <a:p/>
-          </p:txBody>
-        </p:sp>
-        <p:sp>
-          <p:nvSpPr>
-            <p:cNvPr id="41" name="tx41"/>
+            <p:cNvPr id="56" name="tx56"/>
             <p:cNvSpPr/>
             <p:nvPr/>
           </p:nvSpPr>
@@ -4679,13 +5274,59 @@
         </p:sp>
         <p:sp>
           <p:nvSpPr>
-            <p:cNvPr id="42" name="tx42"/>
+            <p:cNvPr id="57" name="tx57"/>
             <p:cNvSpPr/>
             <p:nvPr/>
           </p:nvSpPr>
           <p:spPr>
             <a:xfrm>
-              <a:off x="3462426" y="5699866"/>
+              <a:off x="4380779" y="5699866"/>
+              <a:ext cx="186466" cy="81691"/>
+            </a:xfrm>
+            <a:prstGeom prst="rect">
+              <a:avLst/>
+            </a:prstGeom>
+            <a:noFill/>
+          </p:spPr>
+          <p:txBody>
+            <a:bodyPr lIns="0" rIns="0" tIns="0" bIns="0" anchorCtr="1" anchor="ctr" wrap="none"/>
+            <a:lstStyle/>
+            <a:p>
+              <a:pPr algn="l" marL="0" marR="0" indent="0">
+                <a:lnSpc>
+                  <a:spcPts val="880"/>
+                </a:lnSpc>
+                <a:spcBef>
+                  <a:spcPts val="0"/>
+                </a:spcBef>
+                <a:spcAft>
+                  <a:spcPts val="0"/>
+                </a:spcAft>
+              </a:pPr>
+              <a:r>
+                <a:rPr sz="880">
+                  <a:solidFill>
+                    <a:srgbClr val="4D4D4D">
+                      <a:alpha val="100000"/>
+                    </a:srgbClr>
+                  </a:solidFill>
+                  <a:latin typeface="Arial"/>
+                  <a:cs typeface="Arial"/>
+                </a:rPr>
+                <a:t>500</a:t>
+              </a:r>
+            </a:p>
+          </p:txBody>
+        </p:sp>
+        <p:sp>
+          <p:nvSpPr>
+            <p:cNvPr id="58" name="tx58"/>
+            <p:cNvSpPr/>
+            <p:nvPr/>
+          </p:nvSpPr>
+          <p:spPr>
+            <a:xfrm>
+              <a:off x="6800166" y="5699866"/>
               <a:ext cx="248622" cy="81691"/>
             </a:xfrm>
             <a:prstGeom prst="rect">
@@ -4719,144 +5360,6 @@
                   <a:cs typeface="Arial"/>
                 </a:rPr>
                 <a:t>1000</a:t>
-              </a:r>
-            </a:p>
-          </p:txBody>
-        </p:sp>
-        <p:sp>
-          <p:nvSpPr>
-            <p:cNvPr id="43" name="tx43"/>
-            <p:cNvSpPr/>
-            <p:nvPr/>
-          </p:nvSpPr>
-          <p:spPr>
-            <a:xfrm>
-              <a:off x="5025614" y="5699866"/>
-              <a:ext cx="248622" cy="81691"/>
-            </a:xfrm>
-            <a:prstGeom prst="rect">
-              <a:avLst/>
-            </a:prstGeom>
-            <a:noFill/>
-          </p:spPr>
-          <p:txBody>
-            <a:bodyPr lIns="0" rIns="0" tIns="0" bIns="0" anchorCtr="1" anchor="ctr" wrap="none"/>
-            <a:lstStyle/>
-            <a:p>
-              <a:pPr algn="l" marL="0" marR="0" indent="0">
-                <a:lnSpc>
-                  <a:spcPts val="880"/>
-                </a:lnSpc>
-                <a:spcBef>
-                  <a:spcPts val="0"/>
-                </a:spcBef>
-                <a:spcAft>
-                  <a:spcPts val="0"/>
-                </a:spcAft>
-              </a:pPr>
-              <a:r>
-                <a:rPr sz="880">
-                  <a:solidFill>
-                    <a:srgbClr val="4D4D4D">
-                      <a:alpha val="100000"/>
-                    </a:srgbClr>
-                  </a:solidFill>
-                  <a:latin typeface="Arial"/>
-                  <a:cs typeface="Arial"/>
-                </a:rPr>
-                <a:t>2000</a:t>
-              </a:r>
-            </a:p>
-          </p:txBody>
-        </p:sp>
-        <p:sp>
-          <p:nvSpPr>
-            <p:cNvPr id="44" name="tx44"/>
-            <p:cNvSpPr/>
-            <p:nvPr/>
-          </p:nvSpPr>
-          <p:spPr>
-            <a:xfrm>
-              <a:off x="6588802" y="5699811"/>
-              <a:ext cx="248622" cy="81746"/>
-            </a:xfrm>
-            <a:prstGeom prst="rect">
-              <a:avLst/>
-            </a:prstGeom>
-            <a:noFill/>
-          </p:spPr>
-          <p:txBody>
-            <a:bodyPr lIns="0" rIns="0" tIns="0" bIns="0" anchorCtr="1" anchor="ctr" wrap="none"/>
-            <a:lstStyle/>
-            <a:p>
-              <a:pPr algn="l" marL="0" marR="0" indent="0">
-                <a:lnSpc>
-                  <a:spcPts val="880"/>
-                </a:lnSpc>
-                <a:spcBef>
-                  <a:spcPts val="0"/>
-                </a:spcBef>
-                <a:spcAft>
-                  <a:spcPts val="0"/>
-                </a:spcAft>
-              </a:pPr>
-              <a:r>
-                <a:rPr sz="880">
-                  <a:solidFill>
-                    <a:srgbClr val="4D4D4D">
-                      <a:alpha val="100000"/>
-                    </a:srgbClr>
-                  </a:solidFill>
-                  <a:latin typeface="Arial"/>
-                  <a:cs typeface="Arial"/>
-                </a:rPr>
-                <a:t>3000</a:t>
-              </a:r>
-            </a:p>
-          </p:txBody>
-        </p:sp>
-        <p:sp>
-          <p:nvSpPr>
-            <p:cNvPr id="45" name="tx45"/>
-            <p:cNvSpPr/>
-            <p:nvPr/>
-          </p:nvSpPr>
-          <p:spPr>
-            <a:xfrm>
-              <a:off x="8151990" y="5699866"/>
-              <a:ext cx="248622" cy="81691"/>
-            </a:xfrm>
-            <a:prstGeom prst="rect">
-              <a:avLst/>
-            </a:prstGeom>
-            <a:noFill/>
-          </p:spPr>
-          <p:txBody>
-            <a:bodyPr lIns="0" rIns="0" tIns="0" bIns="0" anchorCtr="1" anchor="ctr" wrap="none"/>
-            <a:lstStyle/>
-            <a:p>
-              <a:pPr algn="l" marL="0" marR="0" indent="0">
-                <a:lnSpc>
-                  <a:spcPts val="880"/>
-                </a:lnSpc>
-                <a:spcBef>
-                  <a:spcPts val="0"/>
-                </a:spcBef>
-                <a:spcAft>
-                  <a:spcPts val="0"/>
-                </a:spcAft>
-              </a:pPr>
-              <a:r>
-                <a:rPr sz="880">
-                  <a:solidFill>
-                    <a:srgbClr val="4D4D4D">
-                      <a:alpha val="100000"/>
-                    </a:srgbClr>
-                  </a:solidFill>
-                  <a:latin typeface="Arial"/>
-                  <a:cs typeface="Arial"/>
-                </a:rPr>
-                <a:t>4000</a:t>
               </a:r>
             </a:p>
           </p:txBody>
